--- a/slides/Unit7_Arithmetic Operations.pptx
+++ b/slides/Unit7_Arithmetic Operations.pptx
@@ -187,8 +187,7 @@
 <file path=ppt/revisionInfo.xml><?xml version="1.0" encoding="utf-8"?>
 <p1510:revInfo xmlns:a="http://schemas.openxmlformats.org/drawingml/2006/main" xmlns:r="http://schemas.openxmlformats.org/officeDocument/2006/relationships" xmlns:p1510="http://schemas.microsoft.com/office/powerpoint/2015/10/main">
   <p1510:revLst>
-    <p1510:client id="{0E93015C-48FA-46A2-BCE3-52D468094270}" v="113" dt="2024-01-30T01:26:07.037"/>
-    <p1510:client id="{ED0779F2-4317-4311-8283-95136EA5379F}" v="54" dt="2024-01-29T09:56:52.109"/>
+    <p1510:client id="{0E93015C-48FA-46A2-BCE3-52D468094270}" v="114" dt="2024-01-31T05:27:43.111"/>
   </p1510:revLst>
 </p1510:revInfo>
 </file>
@@ -4395,7 +4394,7 @@
               <a:pPr>
                 <a:defRPr/>
               </a:pPr>
-              <a:t>1/30/2024</a:t>
+              <a:t>1/31/2024</a:t>
             </a:fld>
             <a:endParaRPr lang="en-US" dirty="0"/>
           </a:p>
@@ -9256,7 +9255,7 @@
   <p:transition>
     <p:fade/>
   </p:transition>
-  <p:hf hdr="0" ftr="0" dt="0"/>
+  <p:hf hdr="0" dt="0"/>
   <p:txStyles>
     <p:titleStyle>
       <a:lvl1pPr algn="l" defTabSz="914400" rtl="0" eaLnBrk="1" latinLnBrk="0" hangingPunct="1">
@@ -10178,6 +10177,38 @@
           </a:p>
         </p:txBody>
       </p:sp>
+      <p:sp>
+        <p:nvSpPr>
+          <p:cNvPr id="3" name="Footer Placeholder 2">
+            <a:extLst>
+              <a:ext uri="{FF2B5EF4-FFF2-40B4-BE49-F238E27FC236}">
+                <a16:creationId xmlns:a16="http://schemas.microsoft.com/office/drawing/2014/main" id="{96481111-AA35-5D4E-5C6F-FD0F5A88EAAD}"/>
+              </a:ext>
+            </a:extLst>
+          </p:cNvPr>
+          <p:cNvSpPr>
+            <a:spLocks noGrp="1"/>
+          </p:cNvSpPr>
+          <p:nvPr>
+            <p:ph type="ftr" sz="quarter" idx="11"/>
+          </p:nvPr>
+        </p:nvSpPr>
+        <p:spPr/>
+        <p:txBody>
+          <a:bodyPr/>
+          <a:lstStyle/>
+          <a:p>
+            <a:pPr algn="l">
+              <a:defRPr/>
+            </a:pPr>
+            <a:r>
+              <a:rPr lang="en-US"/>
+              <a:t>CS1010 (AY2023/24 Semester 2)</a:t>
+            </a:r>
+            <a:endParaRPr lang="en-US" dirty="0"/>
+          </a:p>
+        </p:txBody>
+      </p:sp>
     </p:spTree>
     <p:extLst>
       <p:ext uri="{BB962C8B-B14F-4D97-AF65-F5344CB8AC3E}">
@@ -10799,6 +10830,38 @@
           </a:p>
         </p:txBody>
       </p:sp>
+      <p:sp>
+        <p:nvSpPr>
+          <p:cNvPr id="2" name="Footer Placeholder 1">
+            <a:extLst>
+              <a:ext uri="{FF2B5EF4-FFF2-40B4-BE49-F238E27FC236}">
+                <a16:creationId xmlns:a16="http://schemas.microsoft.com/office/drawing/2014/main" id="{137F8E57-30D0-87BC-07BA-FE6DEDB66046}"/>
+              </a:ext>
+            </a:extLst>
+          </p:cNvPr>
+          <p:cNvSpPr>
+            <a:spLocks noGrp="1"/>
+          </p:cNvSpPr>
+          <p:nvPr>
+            <p:ph type="ftr" sz="quarter" idx="11"/>
+          </p:nvPr>
+        </p:nvSpPr>
+        <p:spPr/>
+        <p:txBody>
+          <a:bodyPr/>
+          <a:lstStyle/>
+          <a:p>
+            <a:pPr algn="l">
+              <a:defRPr/>
+            </a:pPr>
+            <a:r>
+              <a:rPr lang="en-US"/>
+              <a:t>CS1010 (AY2023/24 Semester 2)</a:t>
+            </a:r>
+            <a:endParaRPr lang="en-US" dirty="0"/>
+          </a:p>
+        </p:txBody>
+      </p:sp>
     </p:spTree>
     <p:extLst>
       <p:ext uri="{BB962C8B-B14F-4D97-AF65-F5344CB8AC3E}">
@@ -11189,6 +11252,38 @@
           </a:p>
         </p:txBody>
       </p:sp>
+      <p:sp>
+        <p:nvSpPr>
+          <p:cNvPr id="2" name="Footer Placeholder 1">
+            <a:extLst>
+              <a:ext uri="{FF2B5EF4-FFF2-40B4-BE49-F238E27FC236}">
+                <a16:creationId xmlns:a16="http://schemas.microsoft.com/office/drawing/2014/main" id="{93198B36-B3C1-5094-B5B2-1E114FC02F7D}"/>
+              </a:ext>
+            </a:extLst>
+          </p:cNvPr>
+          <p:cNvSpPr>
+            <a:spLocks noGrp="1"/>
+          </p:cNvSpPr>
+          <p:nvPr>
+            <p:ph type="ftr" sz="quarter" idx="11"/>
+          </p:nvPr>
+        </p:nvSpPr>
+        <p:spPr/>
+        <p:txBody>
+          <a:bodyPr/>
+          <a:lstStyle/>
+          <a:p>
+            <a:pPr algn="l">
+              <a:defRPr/>
+            </a:pPr>
+            <a:r>
+              <a:rPr lang="en-US"/>
+              <a:t>CS1010 (AY2023/24 Semester 2)</a:t>
+            </a:r>
+            <a:endParaRPr lang="en-US" dirty="0"/>
+          </a:p>
+        </p:txBody>
+      </p:sp>
     </p:spTree>
     <p:extLst>
       <p:ext uri="{BB962C8B-B14F-4D97-AF65-F5344CB8AC3E}">
@@ -11365,6 +11460,38 @@
           </a:p>
         </p:txBody>
       </p:sp>
+      <p:sp>
+        <p:nvSpPr>
+          <p:cNvPr id="2" name="Footer Placeholder 1">
+            <a:extLst>
+              <a:ext uri="{FF2B5EF4-FFF2-40B4-BE49-F238E27FC236}">
+                <a16:creationId xmlns:a16="http://schemas.microsoft.com/office/drawing/2014/main" id="{CB3F82A2-1A06-9C96-EE91-20534CDBEBD6}"/>
+              </a:ext>
+            </a:extLst>
+          </p:cNvPr>
+          <p:cNvSpPr>
+            <a:spLocks noGrp="1"/>
+          </p:cNvSpPr>
+          <p:nvPr>
+            <p:ph type="ftr" sz="quarter" idx="11"/>
+          </p:nvPr>
+        </p:nvSpPr>
+        <p:spPr/>
+        <p:txBody>
+          <a:bodyPr/>
+          <a:lstStyle/>
+          <a:p>
+            <a:pPr algn="l">
+              <a:defRPr/>
+            </a:pPr>
+            <a:r>
+              <a:rPr lang="en-US"/>
+              <a:t>CS1010 (AY2023/24 Semester 2)</a:t>
+            </a:r>
+            <a:endParaRPr lang="en-US" dirty="0"/>
+          </a:p>
+        </p:txBody>
+      </p:sp>
     </p:spTree>
     <p:extLst>
       <p:ext uri="{BB962C8B-B14F-4D97-AF65-F5344CB8AC3E}">
@@ -12356,6 +12483,38 @@
               </a:pPr>
               <a:t>3</a:t>
             </a:fld>
+            <a:endParaRPr lang="en-US" dirty="0"/>
+          </a:p>
+        </p:txBody>
+      </p:sp>
+      <p:sp>
+        <p:nvSpPr>
+          <p:cNvPr id="2" name="Footer Placeholder 1">
+            <a:extLst>
+              <a:ext uri="{FF2B5EF4-FFF2-40B4-BE49-F238E27FC236}">
+                <a16:creationId xmlns:a16="http://schemas.microsoft.com/office/drawing/2014/main" id="{5ACBB6EB-4D2F-7F30-C324-7E6589FBE271}"/>
+              </a:ext>
+            </a:extLst>
+          </p:cNvPr>
+          <p:cNvSpPr>
+            <a:spLocks noGrp="1"/>
+          </p:cNvSpPr>
+          <p:nvPr>
+            <p:ph type="ftr" sz="quarter" idx="11"/>
+          </p:nvPr>
+        </p:nvSpPr>
+        <p:spPr/>
+        <p:txBody>
+          <a:bodyPr/>
+          <a:lstStyle/>
+          <a:p>
+            <a:pPr algn="l">
+              <a:defRPr/>
+            </a:pPr>
+            <a:r>
+              <a:rPr lang="en-US"/>
+              <a:t>CS1010 (AY2023/24 Semester 2)</a:t>
+            </a:r>
             <a:endParaRPr lang="en-US" dirty="0"/>
           </a:p>
         </p:txBody>
@@ -13302,6 +13461,38 @@
           </a:p>
         </p:txBody>
       </p:sp>
+      <p:sp>
+        <p:nvSpPr>
+          <p:cNvPr id="2" name="Footer Placeholder 1">
+            <a:extLst>
+              <a:ext uri="{FF2B5EF4-FFF2-40B4-BE49-F238E27FC236}">
+                <a16:creationId xmlns:a16="http://schemas.microsoft.com/office/drawing/2014/main" id="{32AAE373-A629-C7E0-22EB-398F03E50090}"/>
+              </a:ext>
+            </a:extLst>
+          </p:cNvPr>
+          <p:cNvSpPr>
+            <a:spLocks noGrp="1"/>
+          </p:cNvSpPr>
+          <p:nvPr>
+            <p:ph type="ftr" sz="quarter" idx="11"/>
+          </p:nvPr>
+        </p:nvSpPr>
+        <p:spPr/>
+        <p:txBody>
+          <a:bodyPr/>
+          <a:lstStyle/>
+          <a:p>
+            <a:pPr algn="l">
+              <a:defRPr/>
+            </a:pPr>
+            <a:r>
+              <a:rPr lang="en-US"/>
+              <a:t>CS1010 (AY2023/24 Semester 2)</a:t>
+            </a:r>
+            <a:endParaRPr lang="en-US" dirty="0"/>
+          </a:p>
+        </p:txBody>
+      </p:sp>
     </p:spTree>
     <p:extLst>
       <p:ext uri="{BB962C8B-B14F-4D97-AF65-F5344CB8AC3E}">
@@ -14233,6 +14424,38 @@
           </a:p>
         </p:txBody>
       </p:sp>
+      <p:sp>
+        <p:nvSpPr>
+          <p:cNvPr id="2" name="Footer Placeholder 1">
+            <a:extLst>
+              <a:ext uri="{FF2B5EF4-FFF2-40B4-BE49-F238E27FC236}">
+                <a16:creationId xmlns:a16="http://schemas.microsoft.com/office/drawing/2014/main" id="{991B3E02-A1EA-970C-4738-B12C405FE938}"/>
+              </a:ext>
+            </a:extLst>
+          </p:cNvPr>
+          <p:cNvSpPr>
+            <a:spLocks noGrp="1"/>
+          </p:cNvSpPr>
+          <p:nvPr>
+            <p:ph type="ftr" sz="quarter" idx="11"/>
+          </p:nvPr>
+        </p:nvSpPr>
+        <p:spPr/>
+        <p:txBody>
+          <a:bodyPr/>
+          <a:lstStyle/>
+          <a:p>
+            <a:pPr algn="l">
+              <a:defRPr/>
+            </a:pPr>
+            <a:r>
+              <a:rPr lang="en-US"/>
+              <a:t>CS1010 (AY2023/24 Semester 2)</a:t>
+            </a:r>
+            <a:endParaRPr lang="en-US" dirty="0"/>
+          </a:p>
+        </p:txBody>
+      </p:sp>
     </p:spTree>
     <p:extLst>
       <p:ext uri="{BB962C8B-B14F-4D97-AF65-F5344CB8AC3E}">
@@ -15147,6 +15370,38 @@
               </a:pPr>
               <a:t>6</a:t>
             </a:fld>
+            <a:endParaRPr lang="en-US" dirty="0"/>
+          </a:p>
+        </p:txBody>
+      </p:sp>
+      <p:sp>
+        <p:nvSpPr>
+          <p:cNvPr id="2" name="Footer Placeholder 1">
+            <a:extLst>
+              <a:ext uri="{FF2B5EF4-FFF2-40B4-BE49-F238E27FC236}">
+                <a16:creationId xmlns:a16="http://schemas.microsoft.com/office/drawing/2014/main" id="{59EE96DA-8C37-49EB-B8F6-0458903FC188}"/>
+              </a:ext>
+            </a:extLst>
+          </p:cNvPr>
+          <p:cNvSpPr>
+            <a:spLocks noGrp="1"/>
+          </p:cNvSpPr>
+          <p:nvPr>
+            <p:ph type="ftr" sz="quarter" idx="11"/>
+          </p:nvPr>
+        </p:nvSpPr>
+        <p:spPr/>
+        <p:txBody>
+          <a:bodyPr/>
+          <a:lstStyle/>
+          <a:p>
+            <a:pPr algn="l">
+              <a:defRPr/>
+            </a:pPr>
+            <a:r>
+              <a:rPr lang="en-US"/>
+              <a:t>CS1010 (AY2023/24 Semester 2)</a:t>
+            </a:r>
             <a:endParaRPr lang="en-US" dirty="0"/>
           </a:p>
         </p:txBody>
@@ -16564,6 +16819,38 @@
           </a:p>
         </p:txBody>
       </p:sp>
+      <p:sp>
+        <p:nvSpPr>
+          <p:cNvPr id="3" name="Footer Placeholder 2">
+            <a:extLst>
+              <a:ext uri="{FF2B5EF4-FFF2-40B4-BE49-F238E27FC236}">
+                <a16:creationId xmlns:a16="http://schemas.microsoft.com/office/drawing/2014/main" id="{80019F7F-9D5E-00E0-F734-BB64940FC8FF}"/>
+              </a:ext>
+            </a:extLst>
+          </p:cNvPr>
+          <p:cNvSpPr>
+            <a:spLocks noGrp="1"/>
+          </p:cNvSpPr>
+          <p:nvPr>
+            <p:ph type="ftr" sz="quarter" idx="11"/>
+          </p:nvPr>
+        </p:nvSpPr>
+        <p:spPr/>
+        <p:txBody>
+          <a:bodyPr/>
+          <a:lstStyle/>
+          <a:p>
+            <a:pPr algn="l">
+              <a:defRPr/>
+            </a:pPr>
+            <a:r>
+              <a:rPr lang="en-US"/>
+              <a:t>CS1010 (AY2023/24 Semester 2)</a:t>
+            </a:r>
+            <a:endParaRPr lang="en-US" dirty="0"/>
+          </a:p>
+        </p:txBody>
+      </p:sp>
     </p:spTree>
     <p:extLst>
       <p:ext uri="{BB962C8B-B14F-4D97-AF65-F5344CB8AC3E}">
@@ -17178,6 +17465,38 @@
           </a:p>
         </p:txBody>
       </p:sp>
+      <p:sp>
+        <p:nvSpPr>
+          <p:cNvPr id="3" name="Footer Placeholder 2">
+            <a:extLst>
+              <a:ext uri="{FF2B5EF4-FFF2-40B4-BE49-F238E27FC236}">
+                <a16:creationId xmlns:a16="http://schemas.microsoft.com/office/drawing/2014/main" id="{47FEC859-C2E8-87E1-718E-925B885C4164}"/>
+              </a:ext>
+            </a:extLst>
+          </p:cNvPr>
+          <p:cNvSpPr>
+            <a:spLocks noGrp="1"/>
+          </p:cNvSpPr>
+          <p:nvPr>
+            <p:ph type="ftr" sz="quarter" idx="11"/>
+          </p:nvPr>
+        </p:nvSpPr>
+        <p:spPr/>
+        <p:txBody>
+          <a:bodyPr/>
+          <a:lstStyle/>
+          <a:p>
+            <a:pPr algn="l">
+              <a:defRPr/>
+            </a:pPr>
+            <a:r>
+              <a:rPr lang="en-US"/>
+              <a:t>CS1010 (AY2023/24 Semester 2)</a:t>
+            </a:r>
+            <a:endParaRPr lang="en-US" dirty="0"/>
+          </a:p>
+        </p:txBody>
+      </p:sp>
     </p:spTree>
     <p:extLst>
       <p:ext uri="{BB962C8B-B14F-4D97-AF65-F5344CB8AC3E}">
@@ -17753,6 +18072,38 @@
               </a:rPr>
               <a:t>}</a:t>
             </a:r>
+          </a:p>
+        </p:txBody>
+      </p:sp>
+      <p:sp>
+        <p:nvSpPr>
+          <p:cNvPr id="3" name="Footer Placeholder 2">
+            <a:extLst>
+              <a:ext uri="{FF2B5EF4-FFF2-40B4-BE49-F238E27FC236}">
+                <a16:creationId xmlns:a16="http://schemas.microsoft.com/office/drawing/2014/main" id="{9F930B61-3510-1B11-66A4-7F48C51EEEAD}"/>
+              </a:ext>
+            </a:extLst>
+          </p:cNvPr>
+          <p:cNvSpPr>
+            <a:spLocks noGrp="1"/>
+          </p:cNvSpPr>
+          <p:nvPr>
+            <p:ph type="ftr" sz="quarter" idx="11"/>
+          </p:nvPr>
+        </p:nvSpPr>
+        <p:spPr/>
+        <p:txBody>
+          <a:bodyPr/>
+          <a:lstStyle/>
+          <a:p>
+            <a:pPr algn="l">
+              <a:defRPr/>
+            </a:pPr>
+            <a:r>
+              <a:rPr lang="en-US"/>
+              <a:t>CS1010 (AY2023/24 Semester 2)</a:t>
+            </a:r>
+            <a:endParaRPr lang="en-US" dirty="0"/>
           </a:p>
         </p:txBody>
       </p:sp>
